--- a/slides/28-algorithms.pptx
+++ b/slides/28-algorithms.pptx
@@ -214,7 +214,7 @@
           <a:p>
             <a:fld id="{3CBB8A52-8AC5-C74C-97FB-632C448F3674}" type="datetimeFigureOut">
               <a:rPr lang="en-US" smtClean="0"/>
-              <a:t>11/21/23</a:t>
+              <a:t>11/27/23</a:t>
             </a:fld>
             <a:endParaRPr lang="en-US"/>
           </a:p>
@@ -2109,7 +2109,7 @@
             <a:fld id="{5586B75A-687E-405C-8A0B-8D00578BA2C3}" type="datetimeFigureOut">
               <a:rPr lang="en-US" smtClean="0"/>
               <a:pPr/>
-              <a:t>11/21/23</a:t>
+              <a:t>11/27/23</a:t>
             </a:fld>
             <a:endParaRPr lang="en-US" dirty="0"/>
           </a:p>
@@ -2281,7 +2281,7 @@
             <a:fld id="{5586B75A-687E-405C-8A0B-8D00578BA2C3}" type="datetimeFigureOut">
               <a:rPr lang="en-US" smtClean="0"/>
               <a:pPr/>
-              <a:t>11/21/23</a:t>
+              <a:t>11/27/23</a:t>
             </a:fld>
             <a:endParaRPr lang="en-US" dirty="0"/>
           </a:p>
@@ -2463,7 +2463,7 @@
             <a:fld id="{5586B75A-687E-405C-8A0B-8D00578BA2C3}" type="datetimeFigureOut">
               <a:rPr lang="en-US" smtClean="0"/>
               <a:pPr/>
-              <a:t>11/21/23</a:t>
+              <a:t>11/27/23</a:t>
             </a:fld>
             <a:endParaRPr lang="en-US" dirty="0"/>
           </a:p>
@@ -2635,7 +2635,7 @@
             <a:fld id="{5586B75A-687E-405C-8A0B-8D00578BA2C3}" type="datetimeFigureOut">
               <a:rPr lang="en-US" smtClean="0"/>
               <a:pPr/>
-              <a:t>11/21/23</a:t>
+              <a:t>11/27/23</a:t>
             </a:fld>
             <a:endParaRPr lang="en-US" dirty="0"/>
           </a:p>
@@ -2891,7 +2891,7 @@
             <a:fld id="{5586B75A-687E-405C-8A0B-8D00578BA2C3}" type="datetimeFigureOut">
               <a:rPr lang="en-US" smtClean="0"/>
               <a:pPr/>
-              <a:t>11/21/23</a:t>
+              <a:t>11/27/23</a:t>
             </a:fld>
             <a:endParaRPr lang="en-US" dirty="0"/>
           </a:p>
@@ -3181,7 +3181,7 @@
             <a:fld id="{5586B75A-687E-405C-8A0B-8D00578BA2C3}" type="datetimeFigureOut">
               <a:rPr lang="en-US" smtClean="0"/>
               <a:pPr/>
-              <a:t>11/21/23</a:t>
+              <a:t>11/27/23</a:t>
             </a:fld>
             <a:endParaRPr lang="en-US" dirty="0"/>
           </a:p>
@@ -3625,7 +3625,7 @@
             <a:fld id="{5586B75A-687E-405C-8A0B-8D00578BA2C3}" type="datetimeFigureOut">
               <a:rPr lang="en-US" smtClean="0"/>
               <a:pPr/>
-              <a:t>11/21/23</a:t>
+              <a:t>11/27/23</a:t>
             </a:fld>
             <a:endParaRPr lang="en-US" dirty="0"/>
           </a:p>
@@ -3745,7 +3745,7 @@
             <a:fld id="{5586B75A-687E-405C-8A0B-8D00578BA2C3}" type="datetimeFigureOut">
               <a:rPr lang="en-US" smtClean="0"/>
               <a:pPr/>
-              <a:t>11/21/23</a:t>
+              <a:t>11/27/23</a:t>
             </a:fld>
             <a:endParaRPr lang="en-US" dirty="0"/>
           </a:p>
@@ -3842,7 +3842,7 @@
             <a:fld id="{5586B75A-687E-405C-8A0B-8D00578BA2C3}" type="datetimeFigureOut">
               <a:rPr lang="en-US" smtClean="0"/>
               <a:pPr/>
-              <a:t>11/21/23</a:t>
+              <a:t>11/27/23</a:t>
             </a:fld>
             <a:endParaRPr lang="en-US" dirty="0"/>
           </a:p>
@@ -4132,7 +4132,7 @@
             <a:fld id="{5586B75A-687E-405C-8A0B-8D00578BA2C3}" type="datetimeFigureOut">
               <a:rPr lang="en-US" smtClean="0"/>
               <a:pPr/>
-              <a:t>11/21/23</a:t>
+              <a:t>11/27/23</a:t>
             </a:fld>
             <a:endParaRPr lang="en-US" dirty="0"/>
           </a:p>
@@ -4407,7 +4407,7 @@
             <a:fld id="{5586B75A-687E-405C-8A0B-8D00578BA2C3}" type="datetimeFigureOut">
               <a:rPr lang="en-US" smtClean="0"/>
               <a:pPr/>
-              <a:t>11/21/23</a:t>
+              <a:t>11/27/23</a:t>
             </a:fld>
             <a:endParaRPr lang="en-US" dirty="0"/>
           </a:p>
@@ -4706,7 +4706,7 @@
             <a:fld id="{5586B75A-687E-405C-8A0B-8D00578BA2C3}" type="datetimeFigureOut">
               <a:rPr lang="en-US" smtClean="0"/>
               <a:pPr/>
-              <a:t>11/21/23</a:t>
+              <a:t>11/27/23</a:t>
             </a:fld>
             <a:endParaRPr lang="en-US" dirty="0"/>
           </a:p>
@@ -5215,7 +5215,7 @@
           <a:p>
             <a:r>
               <a:rPr lang="en-US" dirty="0"/>
-              <a:t>Intro to Coding with Python– Prototyping</a:t>
+              <a:t>Intro to Coding with Python– Algorithms</a:t>
             </a:r>
           </a:p>
         </p:txBody>
@@ -6928,8 +6928,12 @@
           <a:lstStyle/>
           <a:p>
             <a:r>
+              <a:rPr lang="en-US"/>
+              <a:t>5 </a:t>
+            </a:r>
+            <a:r>
               <a:rPr lang="en-US" dirty="0"/>
-              <a:t>10 volunteers, please!</a:t>
+              <a:t>volunteers, please!</a:t>
             </a:r>
           </a:p>
         </p:txBody>

--- a/slides/28-algorithms.pptx
+++ b/slides/28-algorithms.pptx
@@ -6928,12 +6928,8 @@
           <a:lstStyle/>
           <a:p>
             <a:r>
-              <a:rPr lang="en-US"/>
-              <a:t>5 </a:t>
-            </a:r>
-            <a:r>
               <a:rPr lang="en-US" dirty="0"/>
-              <a:t>volunteers, please!</a:t>
+              <a:t>5 volunteers, please!</a:t>
             </a:r>
           </a:p>
         </p:txBody>
@@ -7422,40 +7418,19 @@
           <a:bodyPr/>
           <a:lstStyle/>
           <a:p>
-            <a:endParaRPr lang="en-US"/>
-          </a:p>
-        </p:txBody>
-      </p:sp>
-      <p:pic>
-        <p:nvPicPr>
-          <p:cNvPr id="4" name="Picture 3">
-            <a:hlinkClick r:id="rId3"/>
-            <a:extLst>
-              <a:ext uri="{FF2B5EF4-FFF2-40B4-BE49-F238E27FC236}">
-                <a16:creationId xmlns:a16="http://schemas.microsoft.com/office/drawing/2014/main" id="{C37B0114-CB70-9C4A-BC80-6F2EFBEF5C05}"/>
-              </a:ext>
-            </a:extLst>
-          </p:cNvPr>
-          <p:cNvPicPr>
-            <a:picLocks noChangeAspect="1"/>
-          </p:cNvPicPr>
-          <p:nvPr/>
-        </p:nvPicPr>
-        <p:blipFill rotWithShape="1">
-          <a:blip r:embed="rId4"/>
-          <a:srcRect t="22009"/>
-          <a:stretch/>
-        </p:blipFill>
-        <p:spPr>
-          <a:xfrm>
-            <a:off x="3629969" y="994310"/>
-            <a:ext cx="8309112" cy="4860235"/>
-          </a:xfrm>
-          <a:prstGeom prst="rect">
-            <a:avLst/>
-          </a:prstGeom>
-        </p:spPr>
-      </p:pic>
+            <a:pPr marL="0" indent="0">
+              <a:buNone/>
+            </a:pPr>
+            <a:r>
+              <a:rPr lang="en-US" dirty="0">
+                <a:hlinkClick r:id="rId3"/>
+              </a:rPr>
+              <a:t>https://youtu.be/Q1JdRUh1_98?si=9bXFXoPwLqY_kxm5</a:t>
+            </a:r>
+            <a:endParaRPr lang="en-US" dirty="0"/>
+          </a:p>
+        </p:txBody>
+      </p:sp>
     </p:spTree>
     <p:extLst>
       <p:ext uri="{BB962C8B-B14F-4D97-AF65-F5344CB8AC3E}">
@@ -7539,40 +7514,22 @@
           <a:bodyPr/>
           <a:lstStyle/>
           <a:p>
-            <a:endParaRPr lang="en-US"/>
-          </a:p>
-        </p:txBody>
-      </p:sp>
-      <p:pic>
-        <p:nvPicPr>
-          <p:cNvPr id="5" name="Picture 4">
-            <a:hlinkClick r:id="rId2"/>
-            <a:extLst>
-              <a:ext uri="{FF2B5EF4-FFF2-40B4-BE49-F238E27FC236}">
-                <a16:creationId xmlns:a16="http://schemas.microsoft.com/office/drawing/2014/main" id="{E3557838-2DD6-5A4F-A290-8EAF97D3604C}"/>
-              </a:ext>
-            </a:extLst>
-          </p:cNvPr>
-          <p:cNvPicPr>
-            <a:picLocks noChangeAspect="1"/>
-          </p:cNvPicPr>
-          <p:nvPr/>
-        </p:nvPicPr>
-        <p:blipFill rotWithShape="1">
-          <a:blip r:embed="rId3"/>
-          <a:srcRect t="21952"/>
-          <a:stretch/>
-        </p:blipFill>
-        <p:spPr>
-          <a:xfrm>
-            <a:off x="3607881" y="986028"/>
-            <a:ext cx="8331200" cy="4876800"/>
-          </a:xfrm>
-          <a:prstGeom prst="rect">
-            <a:avLst/>
-          </a:prstGeom>
-        </p:spPr>
-      </p:pic>
+            <a:pPr marL="0" indent="0">
+              <a:buNone/>
+            </a:pPr>
+            <a:r>
+              <a:rPr lang="en-US" dirty="0">
+                <a:hlinkClick r:id="rId2"/>
+              </a:rPr>
+              <a:t>https://youtu.be/Iccmrk2ZWoc?si=5d_bhl1055EOMU26</a:t>
+            </a:r>
+            <a:r>
+              <a:rPr lang="en-US" dirty="0"/>
+              <a:t> </a:t>
+            </a:r>
+          </a:p>
+        </p:txBody>
+      </p:sp>
     </p:spTree>
     <p:extLst>
       <p:ext uri="{BB962C8B-B14F-4D97-AF65-F5344CB8AC3E}">
@@ -7656,40 +7613,28 @@
           <a:bodyPr/>
           <a:lstStyle/>
           <a:p>
-            <a:endParaRPr lang="en-US"/>
-          </a:p>
-        </p:txBody>
-      </p:sp>
-      <p:pic>
-        <p:nvPicPr>
-          <p:cNvPr id="4" name="Picture 3">
-            <a:hlinkClick r:id="rId3"/>
-            <a:extLst>
-              <a:ext uri="{FF2B5EF4-FFF2-40B4-BE49-F238E27FC236}">
-                <a16:creationId xmlns:a16="http://schemas.microsoft.com/office/drawing/2014/main" id="{D3020EE9-56DD-B84B-8E7F-BEB89008BA0C}"/>
-              </a:ext>
-            </a:extLst>
-          </p:cNvPr>
-          <p:cNvPicPr>
-            <a:picLocks noChangeAspect="1"/>
-          </p:cNvPicPr>
-          <p:nvPr/>
-        </p:nvPicPr>
-        <p:blipFill rotWithShape="1">
-          <a:blip r:embed="rId4"/>
-          <a:srcRect t="8803" b="12185"/>
-          <a:stretch/>
-        </p:blipFill>
-        <p:spPr>
-          <a:xfrm>
-            <a:off x="3709481" y="986028"/>
-            <a:ext cx="8229600" cy="4876800"/>
-          </a:xfrm>
-          <a:prstGeom prst="rect">
-            <a:avLst/>
-          </a:prstGeom>
-        </p:spPr>
-      </p:pic>
+            <a:pPr marL="0" indent="0">
+              <a:buNone/>
+            </a:pPr>
+            <a:r>
+              <a:rPr lang="en-US" dirty="0">
+                <a:hlinkClick r:id="rId3"/>
+              </a:rPr>
+              <a:t>https://youtu.be</a:t>
+            </a:r>
+            <a:r>
+              <a:rPr lang="en-US">
+                <a:hlinkClick r:id="rId3"/>
+              </a:rPr>
+              <a:t>/hahrx5WUeNI?si=qavZQ6vC_3Fewh8g</a:t>
+            </a:r>
+            <a:r>
+              <a:rPr lang="en-US"/>
+              <a:t> </a:t>
+            </a:r>
+          </a:p>
+        </p:txBody>
+      </p:sp>
     </p:spTree>
     <p:extLst>
       <p:ext uri="{BB962C8B-B14F-4D97-AF65-F5344CB8AC3E}">
